--- a/Fanekem-pinoana/Fanekem-pinoana I.pptx
+++ b/Fanekem-pinoana/Fanekem-pinoana I.pptx
@@ -142,7 +142,7 @@
   </p:defaultTextStyle>
   <p:extLst>
     <p:ext uri="{EFAFB233-063F-42B5-8137-9DF3F51BA10A}">
-      <p15:sldGuideLst xmlns:p15="http://schemas.microsoft.com/office/powerpoint/2012/main" xmlns="">
+      <p15:sldGuideLst xmlns:p15="http://schemas.microsoft.com/office/powerpoint/2012/main">
         <p15:guide id="1" orient="horz" pos="1620">
           <p15:clr>
             <a:srgbClr val="A4A3A4"/>
@@ -350,7 +350,7 @@
               <a:pPr>
                 <a:defRPr/>
               </a:pPr>
-              <a:t>10/11/2014</a:t>
+              <a:t>29/05/2025</a:t>
             </a:fld>
             <a:endParaRPr lang="fr-FR"/>
           </a:p>
@@ -545,7 +545,7 @@
               <a:pPr>
                 <a:defRPr/>
               </a:pPr>
-              <a:t>10/11/2014</a:t>
+              <a:t>29/05/2025</a:t>
             </a:fld>
             <a:endParaRPr lang="fr-FR"/>
           </a:p>
@@ -750,7 +750,7 @@
               <a:pPr>
                 <a:defRPr/>
               </a:pPr>
-              <a:t>10/11/2014</a:t>
+              <a:t>29/05/2025</a:t>
             </a:fld>
             <a:endParaRPr lang="fr-FR"/>
           </a:p>
@@ -945,7 +945,7 @@
               <a:pPr>
                 <a:defRPr/>
               </a:pPr>
-              <a:t>10/11/2014</a:t>
+              <a:t>29/05/2025</a:t>
             </a:fld>
             <a:endParaRPr lang="fr-FR"/>
           </a:p>
@@ -1216,7 +1216,7 @@
               <a:pPr>
                 <a:defRPr/>
               </a:pPr>
-              <a:t>10/11/2014</a:t>
+              <a:t>29/05/2025</a:t>
             </a:fld>
             <a:endParaRPr lang="fr-FR"/>
           </a:p>
@@ -1529,7 +1529,7 @@
               <a:pPr>
                 <a:defRPr/>
               </a:pPr>
-              <a:t>10/11/2014</a:t>
+              <a:t>29/05/2025</a:t>
             </a:fld>
             <a:endParaRPr lang="fr-FR"/>
           </a:p>
@@ -1976,7 +1976,7 @@
               <a:pPr>
                 <a:defRPr/>
               </a:pPr>
-              <a:t>10/11/2014</a:t>
+              <a:t>29/05/2025</a:t>
             </a:fld>
             <a:endParaRPr lang="fr-FR"/>
           </a:p>
@@ -2119,7 +2119,7 @@
               <a:pPr>
                 <a:defRPr/>
               </a:pPr>
-              <a:t>10/11/2014</a:t>
+              <a:t>29/05/2025</a:t>
             </a:fld>
             <a:endParaRPr lang="fr-FR"/>
           </a:p>
@@ -2239,7 +2239,7 @@
               <a:pPr>
                 <a:defRPr/>
               </a:pPr>
-              <a:t>10/11/2014</a:t>
+              <a:t>29/05/2025</a:t>
             </a:fld>
             <a:endParaRPr lang="fr-FR"/>
           </a:p>
@@ -2541,7 +2541,7 @@
               <a:pPr>
                 <a:defRPr/>
               </a:pPr>
-              <a:t>10/11/2014</a:t>
+              <a:t>29/05/2025</a:t>
             </a:fld>
             <a:endParaRPr lang="fr-FR"/>
           </a:p>
@@ -2822,7 +2822,7 @@
               <a:pPr>
                 <a:defRPr/>
               </a:pPr>
-              <a:t>10/11/2014</a:t>
+              <a:t>29/05/2025</a:t>
             </a:fld>
             <a:endParaRPr lang="fr-FR"/>
           </a:p>
@@ -3115,7 +3115,7 @@
               <a:pPr>
                 <a:defRPr/>
               </a:pPr>
-              <a:t>10/11/2014</a:t>
+              <a:t>29/05/2025</a:t>
             </a:fld>
             <a:endParaRPr lang="fr-FR"/>
           </a:p>
@@ -5360,10 +5360,10 @@
                 </a:effectLst>
                 <a:latin typeface="Arial" charset="0"/>
               </a:rPr>
-              <a:t> an-</a:t>
-            </a:r>
-            <a:r>
-              <a:rPr lang="fr-FR" sz="6000" b="1" dirty="0" err="1">
+              <a:t> </a:t>
+            </a:r>
+            <a:r>
+              <a:rPr lang="fr-FR" sz="6000" b="1" dirty="0" smtClean="0">
                 <a:effectLst>
                   <a:outerShdw blurRad="38100" dist="38100" dir="2700000" algn="tl">
                     <a:srgbClr val="000000">
@@ -5373,9 +5373,61 @@
                 </a:effectLst>
                 <a:latin typeface="Arial" charset="0"/>
               </a:rPr>
+              <a:t>an-</a:t>
+            </a:r>
+            <a:r>
+              <a:rPr lang="fr-FR" sz="6000" b="1" dirty="0" err="1" smtClean="0">
+                <a:effectLst>
+                  <a:outerShdw blurRad="38100" dist="38100" dir="2700000" algn="tl">
+                    <a:srgbClr val="000000">
+                      <a:alpha val="43137"/>
+                    </a:srgbClr>
+                  </a:outerShdw>
+                </a:effectLst>
+                <a:latin typeface="Arial" charset="0"/>
+              </a:rPr>
               <a:t>tanan</a:t>
             </a:r>
             <a:r>
+              <a:rPr lang="fr-FR" sz="6000" b="1" dirty="0" smtClean="0">
+                <a:effectLst>
+                  <a:outerShdw blurRad="38100" dist="38100" dir="2700000" algn="tl">
+                    <a:srgbClr val="000000">
+                      <a:alpha val="43137"/>
+                    </a:srgbClr>
+                  </a:outerShdw>
+                </a:effectLst>
+                <a:latin typeface="Arial" charset="0"/>
+              </a:rPr>
+              <a:t>-</a:t>
+            </a:r>
+            <a:r>
+              <a:rPr lang="fr-FR" sz="6000" b="1" smtClean="0">
+                <a:effectLst>
+                  <a:outerShdw blurRad="38100" dist="38100" dir="2700000" algn="tl">
+                    <a:srgbClr val="000000">
+                      <a:alpha val="43137"/>
+                    </a:srgbClr>
+                  </a:outerShdw>
+                </a:effectLst>
+                <a:latin typeface="Arial" charset="0"/>
+              </a:rPr>
+              <a:t>kavanan’Andriamanitra</a:t>
+            </a:r>
+            <a:r>
+              <a:rPr lang="fr-FR" sz="6000" b="1" dirty="0" smtClean="0">
+                <a:effectLst>
+                  <a:outerShdw blurRad="38100" dist="38100" dir="2700000" algn="tl">
+                    <a:srgbClr val="000000">
+                      <a:alpha val="43137"/>
+                    </a:srgbClr>
+                  </a:outerShdw>
+                </a:effectLst>
+                <a:latin typeface="Arial" charset="0"/>
+              </a:rPr>
+              <a:t> </a:t>
+            </a:r>
+            <a:r>
               <a:rPr lang="fr-FR" sz="6000" b="1" dirty="0">
                 <a:effectLst>
                   <a:outerShdw blurRad="38100" dist="38100" dir="2700000" algn="tl">
@@ -5386,33 +5438,7 @@
                 </a:effectLst>
                 <a:latin typeface="Arial" charset="0"/>
               </a:rPr>
-              <a:t>-</a:t>
-            </a:r>
-            <a:r>
-              <a:rPr lang="fr-FR" sz="6000" b="1" dirty="0" err="1">
-                <a:effectLst>
-                  <a:outerShdw blurRad="38100" dist="38100" dir="2700000" algn="tl">
-                    <a:srgbClr val="000000">
-                      <a:alpha val="43137"/>
-                    </a:srgbClr>
-                  </a:outerShdw>
-                </a:effectLst>
-                <a:latin typeface="Arial" charset="0"/>
-              </a:rPr>
-              <a:t>kavanan’Adriamanitra</a:t>
-            </a:r>
-            <a:r>
-              <a:rPr lang="fr-FR" sz="6000" b="1" dirty="0">
-                <a:effectLst>
-                  <a:outerShdw blurRad="38100" dist="38100" dir="2700000" algn="tl">
-                    <a:srgbClr val="000000">
-                      <a:alpha val="43137"/>
-                    </a:srgbClr>
-                  </a:outerShdw>
-                </a:effectLst>
-                <a:latin typeface="Arial" charset="0"/>
-              </a:rPr>
-              <a:t> Ray </a:t>
+              <a:t>Ray </a:t>
             </a:r>
             <a:r>
               <a:rPr lang="fr-FR" sz="6000" b="1" dirty="0" err="1">

--- a/Fanekem-pinoana/Fanekem-pinoana I.pptx
+++ b/Fanekem-pinoana/Fanekem-pinoana I.pptx
@@ -142,7 +142,7 @@
   </p:defaultTextStyle>
   <p:extLst>
     <p:ext uri="{EFAFB233-063F-42B5-8137-9DF3F51BA10A}">
-      <p15:sldGuideLst xmlns:p15="http://schemas.microsoft.com/office/powerpoint/2012/main" xmlns="">
+      <p15:sldGuideLst xmlns:p15="http://schemas.microsoft.com/office/powerpoint/2012/main">
         <p15:guide id="1" orient="horz" pos="1620">
           <p15:clr>
             <a:srgbClr val="A4A3A4"/>
@@ -350,7 +350,7 @@
               <a:pPr>
                 <a:defRPr/>
               </a:pPr>
-              <a:t>10/11/2014</a:t>
+              <a:t>03/08/2025</a:t>
             </a:fld>
             <a:endParaRPr lang="fr-FR"/>
           </a:p>
@@ -545,7 +545,7 @@
               <a:pPr>
                 <a:defRPr/>
               </a:pPr>
-              <a:t>10/11/2014</a:t>
+              <a:t>03/08/2025</a:t>
             </a:fld>
             <a:endParaRPr lang="fr-FR"/>
           </a:p>
@@ -750,7 +750,7 @@
               <a:pPr>
                 <a:defRPr/>
               </a:pPr>
-              <a:t>10/11/2014</a:t>
+              <a:t>03/08/2025</a:t>
             </a:fld>
             <a:endParaRPr lang="fr-FR"/>
           </a:p>
@@ -945,7 +945,7 @@
               <a:pPr>
                 <a:defRPr/>
               </a:pPr>
-              <a:t>10/11/2014</a:t>
+              <a:t>03/08/2025</a:t>
             </a:fld>
             <a:endParaRPr lang="fr-FR"/>
           </a:p>
@@ -1216,7 +1216,7 @@
               <a:pPr>
                 <a:defRPr/>
               </a:pPr>
-              <a:t>10/11/2014</a:t>
+              <a:t>03/08/2025</a:t>
             </a:fld>
             <a:endParaRPr lang="fr-FR"/>
           </a:p>
@@ -1529,7 +1529,7 @@
               <a:pPr>
                 <a:defRPr/>
               </a:pPr>
-              <a:t>10/11/2014</a:t>
+              <a:t>03/08/2025</a:t>
             </a:fld>
             <a:endParaRPr lang="fr-FR"/>
           </a:p>
@@ -1976,7 +1976,7 @@
               <a:pPr>
                 <a:defRPr/>
               </a:pPr>
-              <a:t>10/11/2014</a:t>
+              <a:t>03/08/2025</a:t>
             </a:fld>
             <a:endParaRPr lang="fr-FR"/>
           </a:p>
@@ -2119,7 +2119,7 @@
               <a:pPr>
                 <a:defRPr/>
               </a:pPr>
-              <a:t>10/11/2014</a:t>
+              <a:t>03/08/2025</a:t>
             </a:fld>
             <a:endParaRPr lang="fr-FR"/>
           </a:p>
@@ -2239,7 +2239,7 @@
               <a:pPr>
                 <a:defRPr/>
               </a:pPr>
-              <a:t>10/11/2014</a:t>
+              <a:t>03/08/2025</a:t>
             </a:fld>
             <a:endParaRPr lang="fr-FR"/>
           </a:p>
@@ -2541,7 +2541,7 @@
               <a:pPr>
                 <a:defRPr/>
               </a:pPr>
-              <a:t>10/11/2014</a:t>
+              <a:t>03/08/2025</a:t>
             </a:fld>
             <a:endParaRPr lang="fr-FR"/>
           </a:p>
@@ -2822,7 +2822,7 @@
               <a:pPr>
                 <a:defRPr/>
               </a:pPr>
-              <a:t>10/11/2014</a:t>
+              <a:t>03/08/2025</a:t>
             </a:fld>
             <a:endParaRPr lang="fr-FR"/>
           </a:p>
@@ -3115,7 +3115,7 @@
               <a:pPr>
                 <a:defRPr/>
               </a:pPr>
-              <a:t>10/11/2014</a:t>
+              <a:t>03/08/2025</a:t>
             </a:fld>
             <a:endParaRPr lang="fr-FR"/>
           </a:p>
@@ -5360,10 +5360,10 @@
                 </a:effectLst>
                 <a:latin typeface="Arial" charset="0"/>
               </a:rPr>
-              <a:t> an-</a:t>
-            </a:r>
-            <a:r>
-              <a:rPr lang="fr-FR" sz="6000" b="1" dirty="0" err="1">
+              <a:t> </a:t>
+            </a:r>
+            <a:r>
+              <a:rPr lang="fr-FR" sz="6000" b="1" dirty="0" smtClean="0">
                 <a:effectLst>
                   <a:outerShdw blurRad="38100" dist="38100" dir="2700000" algn="tl">
                     <a:srgbClr val="000000">
@@ -5373,9 +5373,61 @@
                 </a:effectLst>
                 <a:latin typeface="Arial" charset="0"/>
               </a:rPr>
+              <a:t>an-</a:t>
+            </a:r>
+            <a:r>
+              <a:rPr lang="fr-FR" sz="6000" b="1" dirty="0" err="1" smtClean="0">
+                <a:effectLst>
+                  <a:outerShdw blurRad="38100" dist="38100" dir="2700000" algn="tl">
+                    <a:srgbClr val="000000">
+                      <a:alpha val="43137"/>
+                    </a:srgbClr>
+                  </a:outerShdw>
+                </a:effectLst>
+                <a:latin typeface="Arial" charset="0"/>
+              </a:rPr>
               <a:t>tanan</a:t>
             </a:r>
             <a:r>
+              <a:rPr lang="fr-FR" sz="6000" b="1" dirty="0" smtClean="0">
+                <a:effectLst>
+                  <a:outerShdw blurRad="38100" dist="38100" dir="2700000" algn="tl">
+                    <a:srgbClr val="000000">
+                      <a:alpha val="43137"/>
+                    </a:srgbClr>
+                  </a:outerShdw>
+                </a:effectLst>
+                <a:latin typeface="Arial" charset="0"/>
+              </a:rPr>
+              <a:t>-</a:t>
+            </a:r>
+            <a:r>
+              <a:rPr lang="fr-FR" sz="6000" b="1" smtClean="0">
+                <a:effectLst>
+                  <a:outerShdw blurRad="38100" dist="38100" dir="2700000" algn="tl">
+                    <a:srgbClr val="000000">
+                      <a:alpha val="43137"/>
+                    </a:srgbClr>
+                  </a:outerShdw>
+                </a:effectLst>
+                <a:latin typeface="Arial" charset="0"/>
+              </a:rPr>
+              <a:t>kavanan’Andriamanitra</a:t>
+            </a:r>
+            <a:r>
+              <a:rPr lang="fr-FR" sz="6000" b="1" dirty="0" smtClean="0">
+                <a:effectLst>
+                  <a:outerShdw blurRad="38100" dist="38100" dir="2700000" algn="tl">
+                    <a:srgbClr val="000000">
+                      <a:alpha val="43137"/>
+                    </a:srgbClr>
+                  </a:outerShdw>
+                </a:effectLst>
+                <a:latin typeface="Arial" charset="0"/>
+              </a:rPr>
+              <a:t> </a:t>
+            </a:r>
+            <a:r>
               <a:rPr lang="fr-FR" sz="6000" b="1" dirty="0">
                 <a:effectLst>
                   <a:outerShdw blurRad="38100" dist="38100" dir="2700000" algn="tl">
@@ -5386,33 +5438,7 @@
                 </a:effectLst>
                 <a:latin typeface="Arial" charset="0"/>
               </a:rPr>
-              <a:t>-</a:t>
-            </a:r>
-            <a:r>
-              <a:rPr lang="fr-FR" sz="6000" b="1" dirty="0" err="1">
-                <a:effectLst>
-                  <a:outerShdw blurRad="38100" dist="38100" dir="2700000" algn="tl">
-                    <a:srgbClr val="000000">
-                      <a:alpha val="43137"/>
-                    </a:srgbClr>
-                  </a:outerShdw>
-                </a:effectLst>
-                <a:latin typeface="Arial" charset="0"/>
-              </a:rPr>
-              <a:t>kavanan’Adriamanitra</a:t>
-            </a:r>
-            <a:r>
-              <a:rPr lang="fr-FR" sz="6000" b="1" dirty="0">
-                <a:effectLst>
-                  <a:outerShdw blurRad="38100" dist="38100" dir="2700000" algn="tl">
-                    <a:srgbClr val="000000">
-                      <a:alpha val="43137"/>
-                    </a:srgbClr>
-                  </a:outerShdw>
-                </a:effectLst>
-                <a:latin typeface="Arial" charset="0"/>
-              </a:rPr>
-              <a:t> Ray </a:t>
+              <a:t>Ray </a:t>
             </a:r>
             <a:r>
               <a:rPr lang="fr-FR" sz="6000" b="1" dirty="0" err="1">

--- a/Fanekem-pinoana/Fanekem-pinoana I.pptx
+++ b/Fanekem-pinoana/Fanekem-pinoana I.pptx
@@ -350,7 +350,7 @@
               <a:pPr>
                 <a:defRPr/>
               </a:pPr>
-              <a:t>03/08/2025</a:t>
+              <a:t>21/09/2025</a:t>
             </a:fld>
             <a:endParaRPr lang="fr-FR"/>
           </a:p>
@@ -545,7 +545,7 @@
               <a:pPr>
                 <a:defRPr/>
               </a:pPr>
-              <a:t>03/08/2025</a:t>
+              <a:t>21/09/2025</a:t>
             </a:fld>
             <a:endParaRPr lang="fr-FR"/>
           </a:p>
@@ -750,7 +750,7 @@
               <a:pPr>
                 <a:defRPr/>
               </a:pPr>
-              <a:t>03/08/2025</a:t>
+              <a:t>21/09/2025</a:t>
             </a:fld>
             <a:endParaRPr lang="fr-FR"/>
           </a:p>
@@ -945,7 +945,7 @@
               <a:pPr>
                 <a:defRPr/>
               </a:pPr>
-              <a:t>03/08/2025</a:t>
+              <a:t>21/09/2025</a:t>
             </a:fld>
             <a:endParaRPr lang="fr-FR"/>
           </a:p>
@@ -1216,7 +1216,7 @@
               <a:pPr>
                 <a:defRPr/>
               </a:pPr>
-              <a:t>03/08/2025</a:t>
+              <a:t>21/09/2025</a:t>
             </a:fld>
             <a:endParaRPr lang="fr-FR"/>
           </a:p>
@@ -1529,7 +1529,7 @@
               <a:pPr>
                 <a:defRPr/>
               </a:pPr>
-              <a:t>03/08/2025</a:t>
+              <a:t>21/09/2025</a:t>
             </a:fld>
             <a:endParaRPr lang="fr-FR"/>
           </a:p>
@@ -1976,7 +1976,7 @@
               <a:pPr>
                 <a:defRPr/>
               </a:pPr>
-              <a:t>03/08/2025</a:t>
+              <a:t>21/09/2025</a:t>
             </a:fld>
             <a:endParaRPr lang="fr-FR"/>
           </a:p>
@@ -2119,7 +2119,7 @@
               <a:pPr>
                 <a:defRPr/>
               </a:pPr>
-              <a:t>03/08/2025</a:t>
+              <a:t>21/09/2025</a:t>
             </a:fld>
             <a:endParaRPr lang="fr-FR"/>
           </a:p>
@@ -2239,7 +2239,7 @@
               <a:pPr>
                 <a:defRPr/>
               </a:pPr>
-              <a:t>03/08/2025</a:t>
+              <a:t>21/09/2025</a:t>
             </a:fld>
             <a:endParaRPr lang="fr-FR"/>
           </a:p>
@@ -2541,7 +2541,7 @@
               <a:pPr>
                 <a:defRPr/>
               </a:pPr>
-              <a:t>03/08/2025</a:t>
+              <a:t>21/09/2025</a:t>
             </a:fld>
             <a:endParaRPr lang="fr-FR"/>
           </a:p>
@@ -2822,7 +2822,7 @@
               <a:pPr>
                 <a:defRPr/>
               </a:pPr>
-              <a:t>03/08/2025</a:t>
+              <a:t>21/09/2025</a:t>
             </a:fld>
             <a:endParaRPr lang="fr-FR"/>
           </a:p>
@@ -3115,7 +3115,7 @@
               <a:pPr>
                 <a:defRPr/>
               </a:pPr>
-              <a:t>03/08/2025</a:t>
+              <a:t>21/09/2025</a:t>
             </a:fld>
             <a:endParaRPr lang="fr-FR"/>
           </a:p>
@@ -4289,9 +4289,14 @@
   <p:clrMapOvr>
     <a:masterClrMapping/>
   </p:clrMapOvr>
-  <p:transition>
-    <p:dissolve/>
-  </p:transition>
+  <mc:AlternateContent xmlns:mc="http://schemas.openxmlformats.org/markup-compatibility/2006">
+    <mc:Choice xmlns:p14="http://schemas.microsoft.com/office/powerpoint/2010/main" Requires="p14">
+      <p:transition p14:dur="0"/>
+    </mc:Choice>
+    <mc:Fallback>
+      <p:transition/>
+    </mc:Fallback>
+  </mc:AlternateContent>
   <p:timing>
     <p:tnLst>
       <p:par>
@@ -4786,9 +4791,14 @@
   <p:clrMapOvr>
     <a:masterClrMapping/>
   </p:clrMapOvr>
-  <p:transition>
-    <p:dissolve/>
-  </p:transition>
+  <mc:AlternateContent xmlns:mc="http://schemas.openxmlformats.org/markup-compatibility/2006">
+    <mc:Choice xmlns:p14="http://schemas.microsoft.com/office/powerpoint/2010/main" Requires="p14">
+      <p:transition p14:dur="0"/>
+    </mc:Choice>
+    <mc:Fallback>
+      <p:transition/>
+    </mc:Fallback>
+  </mc:AlternateContent>
   <p:timing>
     <p:tnLst>
       <p:par>
@@ -5247,9 +5257,14 @@
   <p:clrMapOvr>
     <a:masterClrMapping/>
   </p:clrMapOvr>
-  <p:transition>
-    <p:dissolve/>
-  </p:transition>
+  <mc:AlternateContent xmlns:mc="http://schemas.openxmlformats.org/markup-compatibility/2006">
+    <mc:Choice xmlns:p14="http://schemas.microsoft.com/office/powerpoint/2010/main" Requires="p14">
+      <p:transition p14:dur="0"/>
+    </mc:Choice>
+    <mc:Fallback>
+      <p:transition/>
+    </mc:Fallback>
+  </mc:AlternateContent>
   <p:timing>
     <p:tnLst>
       <p:par>
@@ -5708,9 +5723,14 @@
   <p:clrMapOvr>
     <a:masterClrMapping/>
   </p:clrMapOvr>
-  <p:transition>
-    <p:dissolve/>
-  </p:transition>
+  <mc:AlternateContent xmlns:mc="http://schemas.openxmlformats.org/markup-compatibility/2006">
+    <mc:Choice xmlns:p14="http://schemas.microsoft.com/office/powerpoint/2010/main" Requires="p14">
+      <p:transition p14:dur="0"/>
+    </mc:Choice>
+    <mc:Fallback>
+      <p:transition/>
+    </mc:Fallback>
+  </mc:AlternateContent>
   <p:timing>
     <p:tnLst>
       <p:par>
@@ -6247,9 +6267,14 @@
   <p:clrMapOvr>
     <a:masterClrMapping/>
   </p:clrMapOvr>
-  <p:transition>
-    <p:dissolve/>
-  </p:transition>
+  <mc:AlternateContent xmlns:mc="http://schemas.openxmlformats.org/markup-compatibility/2006">
+    <mc:Choice xmlns:p14="http://schemas.microsoft.com/office/powerpoint/2010/main" Requires="p14">
+      <p:transition p14:dur="0"/>
+    </mc:Choice>
+    <mc:Fallback>
+      <p:transition/>
+    </mc:Fallback>
+  </mc:AlternateContent>
   <p:timing>
     <p:tnLst>
       <p:par>
@@ -6552,9 +6577,14 @@
   <p:clrMapOvr>
     <a:masterClrMapping/>
   </p:clrMapOvr>
-  <p:transition>
-    <p:dissolve/>
-  </p:transition>
+  <mc:AlternateContent xmlns:mc="http://schemas.openxmlformats.org/markup-compatibility/2006">
+    <mc:Choice xmlns:p14="http://schemas.microsoft.com/office/powerpoint/2010/main" Requires="p14">
+      <p:transition p14:dur="0"/>
+    </mc:Choice>
+    <mc:Fallback>
+      <p:transition/>
+    </mc:Fallback>
+  </mc:AlternateContent>
   <p:timing>
     <p:tnLst>
       <p:par>
